--- a/基础知识.pptx
+++ b/基础知识.pptx
@@ -5,7 +5,7 @@
     <p:sldMasterId id="2147483648" r:id="rId1"/>
   </p:sldMasterIdLst>
   <p:notesMasterIdLst>
-    <p:notesMasterId r:id="rId8"/>
+    <p:notesMasterId r:id="rId10"/>
   </p:notesMasterIdLst>
   <p:sldIdLst>
     <p:sldId id="256" r:id="rId2"/>
@@ -14,6 +14,8 @@
     <p:sldId id="258" r:id="rId5"/>
     <p:sldId id="260" r:id="rId6"/>
     <p:sldId id="261" r:id="rId7"/>
+    <p:sldId id="262" r:id="rId8"/>
+    <p:sldId id="263" r:id="rId9"/>
   </p:sldIdLst>
   <p:sldSz cx="12192000" cy="6858000"/>
   <p:notesSz cx="6858000" cy="9144000"/>
@@ -112,6 +114,11 @@
       </a:defRPr>
     </a:lvl9pPr>
   </p:defaultTextStyle>
+  <p:extLst>
+    <p:ext uri="{EFAFB233-063F-42B5-8137-9DF3F51BA10A}">
+      <p15:sldGuideLst xmlns:p15="http://schemas.microsoft.com/office/powerpoint/2012/main"/>
+    </p:ext>
+  </p:extLst>
 </p:presentation>
 </file>
 
@@ -197,7 +204,7 @@
           <a:p>
             <a:fld id="{A679DC33-8E85-4499-BF46-9CFA1F32948D}" type="datetimeFigureOut">
               <a:rPr lang="zh-CN" altLang="en-US" smtClean="0"/>
-              <a:t>2017/11/17</a:t>
+              <a:t>2017/11/22</a:t>
             </a:fld>
             <a:endParaRPr lang="zh-CN" altLang="en-US"/>
           </a:p>
@@ -680,7 +687,7 @@
           <a:p>
             <a:fld id="{EF483362-F727-43FC-B24B-21211EF351D5}" type="datetimeFigureOut">
               <a:rPr lang="zh-CN" altLang="en-US" smtClean="0"/>
-              <a:t>2017/11/17</a:t>
+              <a:t>2017/11/22</a:t>
             </a:fld>
             <a:endParaRPr lang="zh-CN" altLang="en-US"/>
           </a:p>
@@ -850,7 +857,7 @@
           <a:p>
             <a:fld id="{EF483362-F727-43FC-B24B-21211EF351D5}" type="datetimeFigureOut">
               <a:rPr lang="zh-CN" altLang="en-US" smtClean="0"/>
-              <a:t>2017/11/17</a:t>
+              <a:t>2017/11/22</a:t>
             </a:fld>
             <a:endParaRPr lang="zh-CN" altLang="en-US"/>
           </a:p>
@@ -1030,7 +1037,7 @@
           <a:p>
             <a:fld id="{EF483362-F727-43FC-B24B-21211EF351D5}" type="datetimeFigureOut">
               <a:rPr lang="zh-CN" altLang="en-US" smtClean="0"/>
-              <a:t>2017/11/17</a:t>
+              <a:t>2017/11/22</a:t>
             </a:fld>
             <a:endParaRPr lang="zh-CN" altLang="en-US"/>
           </a:p>
@@ -1200,7 +1207,7 @@
           <a:p>
             <a:fld id="{EF483362-F727-43FC-B24B-21211EF351D5}" type="datetimeFigureOut">
               <a:rPr lang="zh-CN" altLang="en-US" smtClean="0"/>
-              <a:t>2017/11/17</a:t>
+              <a:t>2017/11/22</a:t>
             </a:fld>
             <a:endParaRPr lang="zh-CN" altLang="en-US"/>
           </a:p>
@@ -1446,7 +1453,7 @@
           <a:p>
             <a:fld id="{EF483362-F727-43FC-B24B-21211EF351D5}" type="datetimeFigureOut">
               <a:rPr lang="zh-CN" altLang="en-US" smtClean="0"/>
-              <a:t>2017/11/17</a:t>
+              <a:t>2017/11/22</a:t>
             </a:fld>
             <a:endParaRPr lang="zh-CN" altLang="en-US"/>
           </a:p>
@@ -1678,7 +1685,7 @@
           <a:p>
             <a:fld id="{EF483362-F727-43FC-B24B-21211EF351D5}" type="datetimeFigureOut">
               <a:rPr lang="zh-CN" altLang="en-US" smtClean="0"/>
-              <a:t>2017/11/17</a:t>
+              <a:t>2017/11/22</a:t>
             </a:fld>
             <a:endParaRPr lang="zh-CN" altLang="en-US"/>
           </a:p>
@@ -2045,7 +2052,7 @@
           <a:p>
             <a:fld id="{EF483362-F727-43FC-B24B-21211EF351D5}" type="datetimeFigureOut">
               <a:rPr lang="zh-CN" altLang="en-US" smtClean="0"/>
-              <a:t>2017/11/17</a:t>
+              <a:t>2017/11/22</a:t>
             </a:fld>
             <a:endParaRPr lang="zh-CN" altLang="en-US"/>
           </a:p>
@@ -2163,7 +2170,7 @@
           <a:p>
             <a:fld id="{EF483362-F727-43FC-B24B-21211EF351D5}" type="datetimeFigureOut">
               <a:rPr lang="zh-CN" altLang="en-US" smtClean="0"/>
-              <a:t>2017/11/17</a:t>
+              <a:t>2017/11/22</a:t>
             </a:fld>
             <a:endParaRPr lang="zh-CN" altLang="en-US"/>
           </a:p>
@@ -2258,7 +2265,7 @@
           <a:p>
             <a:fld id="{EF483362-F727-43FC-B24B-21211EF351D5}" type="datetimeFigureOut">
               <a:rPr lang="zh-CN" altLang="en-US" smtClean="0"/>
-              <a:t>2017/11/17</a:t>
+              <a:t>2017/11/22</a:t>
             </a:fld>
             <a:endParaRPr lang="zh-CN" altLang="en-US"/>
           </a:p>
@@ -2535,7 +2542,7 @@
           <a:p>
             <a:fld id="{EF483362-F727-43FC-B24B-21211EF351D5}" type="datetimeFigureOut">
               <a:rPr lang="zh-CN" altLang="en-US" smtClean="0"/>
-              <a:t>2017/11/17</a:t>
+              <a:t>2017/11/22</a:t>
             </a:fld>
             <a:endParaRPr lang="zh-CN" altLang="en-US"/>
           </a:p>
@@ -2788,7 +2795,7 @@
           <a:p>
             <a:fld id="{EF483362-F727-43FC-B24B-21211EF351D5}" type="datetimeFigureOut">
               <a:rPr lang="zh-CN" altLang="en-US" smtClean="0"/>
-              <a:t>2017/11/17</a:t>
+              <a:t>2017/11/22</a:t>
             </a:fld>
             <a:endParaRPr lang="zh-CN" altLang="en-US"/>
           </a:p>
@@ -3001,7 +3008,7 @@
           <a:p>
             <a:fld id="{EF483362-F727-43FC-B24B-21211EF351D5}" type="datetimeFigureOut">
               <a:rPr lang="zh-CN" altLang="en-US" smtClean="0"/>
-              <a:t>2017/11/17</a:t>
+              <a:t>2017/11/22</a:t>
             </a:fld>
             <a:endParaRPr lang="zh-CN" altLang="en-US"/>
           </a:p>
@@ -4078,12 +4085,12 @@
         <p:spPr>
           <a:xfrm>
             <a:off x="838200" y="897577"/>
-            <a:ext cx="10721454" cy="4397754"/>
+            <a:ext cx="10721454" cy="5353098"/>
           </a:xfrm>
         </p:spPr>
         <p:txBody>
           <a:bodyPr>
-            <a:normAutofit/>
+            <a:normAutofit fontScale="92500" lnSpcReduction="10000"/>
           </a:bodyPr>
           <a:lstStyle/>
           <a:p>
@@ -4127,12 +4134,139 @@
             </a:r>
             <a:r>
               <a:rPr lang="en-US" altLang="zh-CN" dirty="0" smtClean="0"/>
-              <a:t>[1,2,3,4,5]  [‘2’,’a’,’ss’,12,90]</a:t>
-            </a:r>
-            <a:endParaRPr lang="zh-CN" altLang="en-US" dirty="0" smtClean="0"/>
-          </a:p>
-          <a:p>
-            <a:endParaRPr lang="zh-CN" altLang="en-US" dirty="0"/>
+              <a:t>[1,2,3,4,5]  [‘2’,’a’,’ss’,12,90</a:t>
+            </a:r>
+            <a:r>
+              <a:rPr lang="en-US" altLang="zh-CN" dirty="0" smtClean="0"/>
+              <a:t>]  </a:t>
+            </a:r>
+            <a:r>
+              <a:rPr lang="zh-CN" altLang="en-US" dirty="0" smtClean="0"/>
+              <a:t>可以是不同类型的数据</a:t>
+            </a:r>
+            <a:endParaRPr lang="en-US" altLang="zh-CN" dirty="0" smtClean="0"/>
+          </a:p>
+          <a:p>
+            <a:pPr marL="457200" lvl="1" indent="0">
+              <a:buNone/>
+            </a:pPr>
+            <a:r>
+              <a:rPr lang="en-US" altLang="zh-CN" dirty="0"/>
+              <a:t>a</a:t>
+            </a:r>
+            <a:r>
+              <a:rPr lang="en-US" altLang="zh-CN" dirty="0" smtClean="0"/>
+              <a:t>ppend, </a:t>
+            </a:r>
+            <a:r>
+              <a:rPr lang="en-US" altLang="zh-CN" dirty="0" err="1" smtClean="0"/>
+              <a:t>insert,pop</a:t>
+            </a:r>
+            <a:endParaRPr lang="en-US" altLang="zh-CN" dirty="0" smtClean="0"/>
+          </a:p>
+          <a:p>
+            <a:r>
+              <a:rPr lang="zh-CN" altLang="en-US" dirty="0" smtClean="0"/>
+              <a:t>元组  （</a:t>
+            </a:r>
+            <a:r>
+              <a:rPr lang="en-US" altLang="zh-CN" dirty="0" smtClean="0"/>
+              <a:t>1,2,3,4</a:t>
+            </a:r>
+            <a:r>
+              <a:rPr lang="zh-CN" altLang="en-US" dirty="0" smtClean="0"/>
+              <a:t>）（</a:t>
+            </a:r>
+            <a:r>
+              <a:rPr lang="en-US" altLang="zh-CN" dirty="0" smtClean="0"/>
+              <a:t>’1’,’b’,’8’,’</a:t>
+            </a:r>
+            <a:r>
+              <a:rPr lang="zh-CN" altLang="en-US" dirty="0" smtClean="0"/>
+              <a:t>你好</a:t>
+            </a:r>
+            <a:r>
+              <a:rPr lang="en-US" altLang="zh-CN" dirty="0" smtClean="0"/>
+              <a:t>’</a:t>
+            </a:r>
+            <a:r>
+              <a:rPr lang="zh-CN" altLang="en-US" dirty="0" smtClean="0"/>
+              <a:t>）</a:t>
+            </a:r>
+            <a:endParaRPr lang="en-US" altLang="zh-CN" dirty="0" smtClean="0"/>
+          </a:p>
+          <a:p>
+            <a:pPr lvl="1"/>
+            <a:r>
+              <a:rPr lang="zh-CN" altLang="en-US" dirty="0" smtClean="0"/>
+              <a:t>与列表的区别，元组不可变，不能修改</a:t>
+            </a:r>
+            <a:endParaRPr lang="en-US" altLang="zh-CN" dirty="0"/>
+          </a:p>
+          <a:p>
+            <a:pPr marL="457200" lvl="1" indent="0">
+              <a:buNone/>
+            </a:pPr>
+            <a:endParaRPr lang="en-US" altLang="zh-CN" dirty="0"/>
+          </a:p>
+          <a:p>
+            <a:r>
+              <a:rPr lang="zh-CN" altLang="en-US" dirty="0" smtClean="0"/>
+              <a:t>切片</a:t>
+            </a:r>
+            <a:endParaRPr lang="en-US" altLang="zh-CN" dirty="0" smtClean="0"/>
+          </a:p>
+          <a:p>
+            <a:pPr marL="0" indent="0">
+              <a:buNone/>
+            </a:pPr>
+            <a:r>
+              <a:rPr lang="en-US" altLang="zh-CN" dirty="0" smtClean="0"/>
+              <a:t>a=[1,324,5,0,3,1]</a:t>
+            </a:r>
+          </a:p>
+          <a:p>
+            <a:pPr marL="0" indent="0">
+              <a:buNone/>
+            </a:pPr>
+            <a:r>
+              <a:rPr lang="en-US" altLang="zh-CN" dirty="0" smtClean="0"/>
+              <a:t>a[1], a[-1] a[0,2],a[2,-1]</a:t>
+            </a:r>
+          </a:p>
+          <a:p>
+            <a:pPr marL="0" indent="0">
+              <a:buNone/>
+            </a:pPr>
+            <a:endParaRPr lang="en-US" altLang="zh-CN" dirty="0"/>
+          </a:p>
+          <a:p>
+            <a:pPr marL="0" indent="0">
+              <a:buNone/>
+            </a:pPr>
+            <a:r>
+              <a:rPr lang="zh-CN" altLang="en-US" dirty="0" smtClean="0"/>
+              <a:t>可变的元组</a:t>
+            </a:r>
+            <a:endParaRPr lang="en-US" altLang="zh-CN" dirty="0" smtClean="0"/>
+          </a:p>
+          <a:p>
+            <a:pPr marL="0" indent="0">
+              <a:buNone/>
+            </a:pPr>
+            <a:r>
+              <a:rPr lang="zh-CN" altLang="en-US" dirty="0" smtClean="0"/>
+              <a:t>（</a:t>
+            </a:r>
+            <a:r>
+              <a:rPr lang="en-US" altLang="zh-CN" dirty="0"/>
+              <a:t>'a', 'b', ['A', 'B']</a:t>
+            </a:r>
+            <a:r>
+              <a:rPr lang="zh-CN" altLang="en-US" dirty="0" smtClean="0"/>
+              <a:t>）</a:t>
+            </a:r>
+            <a:endParaRPr lang="en-US" altLang="zh-CN" dirty="0" smtClean="0"/>
           </a:p>
         </p:txBody>
       </p:sp>
@@ -4185,6 +4319,591 @@
     <p:extLst>
       <p:ext uri="{BB962C8B-B14F-4D97-AF65-F5344CB8AC3E}">
         <p14:creationId xmlns:p14="http://schemas.microsoft.com/office/powerpoint/2010/main" val="2909881070"/>
+      </p:ext>
+    </p:extLst>
+  </p:cSld>
+  <p:clrMapOvr>
+    <a:masterClrMapping/>
+  </p:clrMapOvr>
+</p:sld>
+</file>
+
+<file path=ppt/slides/slide7.xml><?xml version="1.0" encoding="utf-8"?>
+<p:sld xmlns:a="http://schemas.openxmlformats.org/drawingml/2006/main" xmlns:r="http://schemas.openxmlformats.org/officeDocument/2006/relationships" xmlns:p="http://schemas.openxmlformats.org/presentationml/2006/main">
+  <p:cSld>
+    <p:spTree>
+      <p:nvGrpSpPr>
+        <p:cNvPr id="1" name=""/>
+        <p:cNvGrpSpPr/>
+        <p:nvPr/>
+      </p:nvGrpSpPr>
+      <p:grpSpPr>
+        <a:xfrm>
+          <a:off x="0" y="0"/>
+          <a:ext cx="0" cy="0"/>
+          <a:chOff x="0" y="0"/>
+          <a:chExt cx="0" cy="0"/>
+        </a:xfrm>
+      </p:grpSpPr>
+      <p:sp>
+        <p:nvSpPr>
+          <p:cNvPr id="3" name="内容占位符 2"/>
+          <p:cNvSpPr>
+            <a:spLocks noGrp="1"/>
+          </p:cNvSpPr>
+          <p:nvPr>
+            <p:ph idx="1"/>
+          </p:nvPr>
+        </p:nvSpPr>
+        <p:spPr>
+          <a:xfrm>
+            <a:off x="838200" y="518615"/>
+            <a:ext cx="10515600" cy="5658348"/>
+          </a:xfrm>
+        </p:spPr>
+        <p:txBody>
+          <a:bodyPr/>
+          <a:lstStyle/>
+          <a:p>
+            <a:r>
+              <a:rPr lang="zh-CN" altLang="en-US" dirty="0" smtClean="0"/>
+              <a:t>字典</a:t>
+            </a:r>
+            <a:endParaRPr lang="en-US" altLang="zh-CN" dirty="0" smtClean="0"/>
+          </a:p>
+          <a:p>
+            <a:pPr marL="457200" lvl="1" indent="0">
+              <a:buNone/>
+            </a:pPr>
+            <a:r>
+              <a:rPr lang="zh-CN" altLang="en-US" dirty="0"/>
+              <a:t>使用键</a:t>
+            </a:r>
+            <a:r>
+              <a:rPr lang="en-US" altLang="zh-CN" dirty="0"/>
+              <a:t>-</a:t>
+            </a:r>
+            <a:r>
+              <a:rPr lang="zh-CN" altLang="en-US" dirty="0"/>
+              <a:t>值（</a:t>
+            </a:r>
+            <a:r>
+              <a:rPr lang="en-US" altLang="zh-CN" dirty="0"/>
+              <a:t>key-value</a:t>
+            </a:r>
+            <a:r>
+              <a:rPr lang="zh-CN" altLang="en-US" dirty="0"/>
+              <a:t>）存储，具有极快的查找速度</a:t>
+            </a:r>
+            <a:r>
+              <a:rPr lang="zh-CN" altLang="en-US" dirty="0" smtClean="0"/>
+              <a:t>。</a:t>
+            </a:r>
+            <a:endParaRPr lang="en-US" altLang="zh-CN" dirty="0" smtClean="0"/>
+          </a:p>
+          <a:p>
+            <a:pPr marL="457200" lvl="1" indent="0">
+              <a:buNone/>
+            </a:pPr>
+            <a:r>
+              <a:rPr lang="en-US" altLang="zh-CN" dirty="0"/>
+              <a:t> d = {'Michael': 95, 'Bob': 75, 'Tracy': 85</a:t>
+            </a:r>
+            <a:r>
+              <a:rPr lang="en-US" altLang="zh-CN" dirty="0" smtClean="0"/>
+              <a:t>}</a:t>
+            </a:r>
+          </a:p>
+          <a:p>
+            <a:pPr marL="457200" lvl="1" indent="0">
+              <a:buNone/>
+            </a:pPr>
+            <a:r>
+              <a:rPr lang="zh-CN" altLang="en-US" dirty="0" smtClean="0"/>
+              <a:t>键必须是唯一的</a:t>
+            </a:r>
+            <a:endParaRPr lang="en-US" altLang="zh-CN" dirty="0"/>
+          </a:p>
+          <a:p>
+            <a:endParaRPr lang="en-US" altLang="zh-CN" dirty="0" smtClean="0"/>
+          </a:p>
+          <a:p>
+            <a:r>
+              <a:rPr lang="zh-CN" altLang="en-US" dirty="0" smtClean="0"/>
+              <a:t>集合</a:t>
+            </a:r>
+            <a:endParaRPr lang="en-US" altLang="zh-CN" dirty="0" smtClean="0"/>
+          </a:p>
+          <a:p>
+            <a:pPr marL="457200" lvl="1" indent="0">
+              <a:buNone/>
+            </a:pPr>
+            <a:r>
+              <a:rPr lang="en-US" altLang="zh-CN" dirty="0" smtClean="0"/>
+              <a:t>{1,3,5,2}</a:t>
+            </a:r>
+          </a:p>
+          <a:p>
+            <a:pPr marL="457200" lvl="1" indent="0">
+              <a:buNone/>
+            </a:pPr>
+            <a:r>
+              <a:rPr lang="zh-CN" altLang="en-US" dirty="0" smtClean="0"/>
+              <a:t>只有</a:t>
+            </a:r>
+            <a:r>
+              <a:rPr lang="en-US" altLang="zh-CN" dirty="0" smtClean="0"/>
+              <a:t>key</a:t>
+            </a:r>
+            <a:r>
+              <a:rPr lang="zh-CN" altLang="en-US" dirty="0" smtClean="0"/>
+              <a:t>，没有</a:t>
+            </a:r>
+            <a:r>
+              <a:rPr lang="en-US" altLang="zh-CN" dirty="0" smtClean="0"/>
+              <a:t>value</a:t>
+            </a:r>
+            <a:r>
+              <a:rPr lang="zh-CN" altLang="en-US" dirty="0" smtClean="0"/>
+              <a:t>，一组没有重复值的集合</a:t>
+            </a:r>
+            <a:endParaRPr lang="en-US" altLang="zh-CN" dirty="0" smtClean="0"/>
+          </a:p>
+          <a:p>
+            <a:pPr marL="457200" lvl="1" indent="0">
+              <a:buNone/>
+            </a:pPr>
+            <a:r>
+              <a:rPr lang="en-US" altLang="zh-CN" dirty="0"/>
+              <a:t>a</a:t>
+            </a:r>
+            <a:r>
+              <a:rPr lang="en-US" altLang="zh-CN" dirty="0" smtClean="0"/>
+              <a:t>=[1,1,3,4,2,4]  set(a)----{1,3,4,2}</a:t>
+            </a:r>
+          </a:p>
+        </p:txBody>
+      </p:sp>
+    </p:spTree>
+    <p:extLst>
+      <p:ext uri="{BB962C8B-B14F-4D97-AF65-F5344CB8AC3E}">
+        <p14:creationId xmlns:p14="http://schemas.microsoft.com/office/powerpoint/2010/main" val="1089391492"/>
+      </p:ext>
+    </p:extLst>
+  </p:cSld>
+  <p:clrMapOvr>
+    <a:masterClrMapping/>
+  </p:clrMapOvr>
+</p:sld>
+</file>
+
+<file path=ppt/slides/slide8.xml><?xml version="1.0" encoding="utf-8"?>
+<p:sld xmlns:a="http://schemas.openxmlformats.org/drawingml/2006/main" xmlns:r="http://schemas.openxmlformats.org/officeDocument/2006/relationships" xmlns:p="http://schemas.openxmlformats.org/presentationml/2006/main">
+  <p:cSld>
+    <p:spTree>
+      <p:nvGrpSpPr>
+        <p:cNvPr id="1" name=""/>
+        <p:cNvGrpSpPr/>
+        <p:nvPr/>
+      </p:nvGrpSpPr>
+      <p:grpSpPr>
+        <a:xfrm>
+          <a:off x="0" y="0"/>
+          <a:ext cx="0" cy="0"/>
+          <a:chOff x="0" y="0"/>
+          <a:chExt cx="0" cy="0"/>
+        </a:xfrm>
+      </p:grpSpPr>
+      <p:sp>
+        <p:nvSpPr>
+          <p:cNvPr id="2" name="标题 1"/>
+          <p:cNvSpPr>
+            <a:spLocks noGrp="1"/>
+          </p:cNvSpPr>
+          <p:nvPr>
+            <p:ph type="title"/>
+          </p:nvPr>
+        </p:nvSpPr>
+        <p:spPr/>
+        <p:txBody>
+          <a:bodyPr/>
+          <a:lstStyle/>
+          <a:p>
+            <a:r>
+              <a:rPr lang="zh-CN" altLang="en-US" dirty="0"/>
+              <a:t>判断</a:t>
+            </a:r>
+          </a:p>
+        </p:txBody>
+      </p:sp>
+      <p:sp>
+        <p:nvSpPr>
+          <p:cNvPr id="3" name="内容占位符 2"/>
+          <p:cNvSpPr>
+            <a:spLocks noGrp="1"/>
+          </p:cNvSpPr>
+          <p:nvPr>
+            <p:ph idx="1"/>
+          </p:nvPr>
+        </p:nvSpPr>
+        <p:spPr>
+          <a:xfrm>
+            <a:off x="838200" y="1825625"/>
+            <a:ext cx="10515600" cy="1545372"/>
+          </a:xfrm>
+        </p:spPr>
+        <p:txBody>
+          <a:bodyPr/>
+          <a:lstStyle/>
+          <a:p>
+            <a:r>
+              <a:rPr lang="en-US" altLang="zh-CN" dirty="0" smtClean="0"/>
+              <a:t>if </a:t>
+            </a:r>
+            <a:r>
+              <a:rPr lang="zh-CN" altLang="en-US" dirty="0" smtClean="0"/>
+              <a:t>条件：</a:t>
+            </a:r>
+            <a:endParaRPr lang="en-US" altLang="zh-CN" dirty="0" smtClean="0"/>
+          </a:p>
+          <a:p>
+            <a:pPr marL="0" indent="0">
+              <a:buNone/>
+            </a:pPr>
+            <a:r>
+              <a:rPr lang="en-US" altLang="zh-CN" dirty="0"/>
+              <a:t> </a:t>
+            </a:r>
+            <a:r>
+              <a:rPr lang="en-US" altLang="zh-CN" dirty="0" smtClean="0"/>
+              <a:t>  </a:t>
+            </a:r>
+            <a:r>
+              <a:rPr lang="en-US" altLang="zh-CN" dirty="0" err="1" smtClean="0"/>
+              <a:t>elif</a:t>
+            </a:r>
+            <a:r>
+              <a:rPr lang="zh-CN" altLang="en-US" dirty="0" smtClean="0"/>
+              <a:t>：</a:t>
+            </a:r>
+            <a:endParaRPr lang="en-US" altLang="zh-CN" dirty="0" smtClean="0"/>
+          </a:p>
+          <a:p>
+            <a:pPr marL="0" indent="0">
+              <a:buNone/>
+            </a:pPr>
+            <a:r>
+              <a:rPr lang="en-US" altLang="zh-CN" dirty="0" smtClean="0"/>
+              <a:t>   else</a:t>
+            </a:r>
+            <a:r>
+              <a:rPr lang="zh-CN" altLang="en-US" dirty="0" smtClean="0"/>
+              <a:t>：</a:t>
+            </a:r>
+            <a:endParaRPr lang="en-US" altLang="zh-CN" dirty="0" smtClean="0"/>
+          </a:p>
+          <a:p>
+            <a:pPr marL="0" indent="0">
+              <a:buNone/>
+            </a:pPr>
+            <a:endParaRPr lang="en-US" altLang="zh-CN" dirty="0" smtClean="0"/>
+          </a:p>
+          <a:p>
+            <a:pPr marL="0" indent="0">
+              <a:buNone/>
+            </a:pPr>
+            <a:endParaRPr lang="zh-CN" altLang="en-US" dirty="0"/>
+          </a:p>
+        </p:txBody>
+      </p:sp>
+      <p:sp>
+        <p:nvSpPr>
+          <p:cNvPr id="4" name="标题 1"/>
+          <p:cNvSpPr txBox="1">
+            <a:spLocks/>
+          </p:cNvSpPr>
+          <p:nvPr/>
+        </p:nvSpPr>
+        <p:spPr>
+          <a:xfrm>
+            <a:off x="838200" y="3067382"/>
+            <a:ext cx="10515600" cy="1325563"/>
+          </a:xfrm>
+          <a:prstGeom prst="rect">
+            <a:avLst/>
+          </a:prstGeom>
+        </p:spPr>
+        <p:txBody>
+          <a:bodyPr vert="horz" lIns="91440" tIns="45720" rIns="91440" bIns="45720" rtlCol="0" anchor="ctr">
+            <a:normAutofit/>
+          </a:bodyPr>
+          <a:lstStyle>
+            <a:lvl1pPr algn="l" defTabSz="914400" rtl="0" eaLnBrk="1" latinLnBrk="0" hangingPunct="1">
+              <a:lnSpc>
+                <a:spcPct val="90000"/>
+              </a:lnSpc>
+              <a:spcBef>
+                <a:spcPct val="0"/>
+              </a:spcBef>
+              <a:buNone/>
+              <a:defRPr sz="4400" kern="1200">
+                <a:solidFill>
+                  <a:schemeClr val="tx1"/>
+                </a:solidFill>
+                <a:latin typeface="+mj-lt"/>
+                <a:ea typeface="+mj-ea"/>
+                <a:cs typeface="+mj-cs"/>
+              </a:defRPr>
+            </a:lvl1pPr>
+          </a:lstStyle>
+          <a:p>
+            <a:r>
+              <a:rPr lang="zh-CN" altLang="en-US" dirty="0"/>
+              <a:t>循环</a:t>
+            </a:r>
+          </a:p>
+        </p:txBody>
+      </p:sp>
+      <p:sp>
+        <p:nvSpPr>
+          <p:cNvPr id="5" name="内容占位符 2"/>
+          <p:cNvSpPr txBox="1">
+            <a:spLocks/>
+          </p:cNvSpPr>
+          <p:nvPr/>
+        </p:nvSpPr>
+        <p:spPr>
+          <a:xfrm>
+            <a:off x="838200" y="4089330"/>
+            <a:ext cx="10515600" cy="1545372"/>
+          </a:xfrm>
+          <a:prstGeom prst="rect">
+            <a:avLst/>
+          </a:prstGeom>
+        </p:spPr>
+        <p:txBody>
+          <a:bodyPr vert="horz" lIns="91440" tIns="45720" rIns="91440" bIns="45720" rtlCol="0">
+            <a:normAutofit/>
+          </a:bodyPr>
+          <a:lstStyle>
+            <a:lvl1pPr marL="228600" indent="-228600" algn="l" defTabSz="914400" rtl="0" eaLnBrk="1" latinLnBrk="0" hangingPunct="1">
+              <a:lnSpc>
+                <a:spcPct val="90000"/>
+              </a:lnSpc>
+              <a:spcBef>
+                <a:spcPts val="1000"/>
+              </a:spcBef>
+              <a:buFont typeface="Arial" panose="020B0604020202020204" pitchFamily="34" charset="0"/>
+              <a:buChar char="•"/>
+              <a:defRPr sz="2800" kern="1200">
+                <a:solidFill>
+                  <a:schemeClr val="tx1"/>
+                </a:solidFill>
+                <a:latin typeface="+mn-lt"/>
+                <a:ea typeface="+mn-ea"/>
+                <a:cs typeface="+mn-cs"/>
+              </a:defRPr>
+            </a:lvl1pPr>
+            <a:lvl2pPr marL="685800" indent="-228600" algn="l" defTabSz="914400" rtl="0" eaLnBrk="1" latinLnBrk="0" hangingPunct="1">
+              <a:lnSpc>
+                <a:spcPct val="90000"/>
+              </a:lnSpc>
+              <a:spcBef>
+                <a:spcPts val="500"/>
+              </a:spcBef>
+              <a:buFont typeface="Arial" panose="020B0604020202020204" pitchFamily="34" charset="0"/>
+              <a:buChar char="•"/>
+              <a:defRPr sz="2400" kern="1200">
+                <a:solidFill>
+                  <a:schemeClr val="tx1"/>
+                </a:solidFill>
+                <a:latin typeface="+mn-lt"/>
+                <a:ea typeface="+mn-ea"/>
+                <a:cs typeface="+mn-cs"/>
+              </a:defRPr>
+            </a:lvl2pPr>
+            <a:lvl3pPr marL="1143000" indent="-228600" algn="l" defTabSz="914400" rtl="0" eaLnBrk="1" latinLnBrk="0" hangingPunct="1">
+              <a:lnSpc>
+                <a:spcPct val="90000"/>
+              </a:lnSpc>
+              <a:spcBef>
+                <a:spcPts val="500"/>
+              </a:spcBef>
+              <a:buFont typeface="Arial" panose="020B0604020202020204" pitchFamily="34" charset="0"/>
+              <a:buChar char="•"/>
+              <a:defRPr sz="2000" kern="1200">
+                <a:solidFill>
+                  <a:schemeClr val="tx1"/>
+                </a:solidFill>
+                <a:latin typeface="+mn-lt"/>
+                <a:ea typeface="+mn-ea"/>
+                <a:cs typeface="+mn-cs"/>
+              </a:defRPr>
+            </a:lvl3pPr>
+            <a:lvl4pPr marL="1600200" indent="-228600" algn="l" defTabSz="914400" rtl="0" eaLnBrk="1" latinLnBrk="0" hangingPunct="1">
+              <a:lnSpc>
+                <a:spcPct val="90000"/>
+              </a:lnSpc>
+              <a:spcBef>
+                <a:spcPts val="500"/>
+              </a:spcBef>
+              <a:buFont typeface="Arial" panose="020B0604020202020204" pitchFamily="34" charset="0"/>
+              <a:buChar char="•"/>
+              <a:defRPr sz="1800" kern="1200">
+                <a:solidFill>
+                  <a:schemeClr val="tx1"/>
+                </a:solidFill>
+                <a:latin typeface="+mn-lt"/>
+                <a:ea typeface="+mn-ea"/>
+                <a:cs typeface="+mn-cs"/>
+              </a:defRPr>
+            </a:lvl4pPr>
+            <a:lvl5pPr marL="2057400" indent="-228600" algn="l" defTabSz="914400" rtl="0" eaLnBrk="1" latinLnBrk="0" hangingPunct="1">
+              <a:lnSpc>
+                <a:spcPct val="90000"/>
+              </a:lnSpc>
+              <a:spcBef>
+                <a:spcPts val="500"/>
+              </a:spcBef>
+              <a:buFont typeface="Arial" panose="020B0604020202020204" pitchFamily="34" charset="0"/>
+              <a:buChar char="•"/>
+              <a:defRPr sz="1800" kern="1200">
+                <a:solidFill>
+                  <a:schemeClr val="tx1"/>
+                </a:solidFill>
+                <a:latin typeface="+mn-lt"/>
+                <a:ea typeface="+mn-ea"/>
+                <a:cs typeface="+mn-cs"/>
+              </a:defRPr>
+            </a:lvl5pPr>
+            <a:lvl6pPr marL="2514600" indent="-228600" algn="l" defTabSz="914400" rtl="0" eaLnBrk="1" latinLnBrk="0" hangingPunct="1">
+              <a:lnSpc>
+                <a:spcPct val="90000"/>
+              </a:lnSpc>
+              <a:spcBef>
+                <a:spcPts val="500"/>
+              </a:spcBef>
+              <a:buFont typeface="Arial" panose="020B0604020202020204" pitchFamily="34" charset="0"/>
+              <a:buChar char="•"/>
+              <a:defRPr sz="1800" kern="1200">
+                <a:solidFill>
+                  <a:schemeClr val="tx1"/>
+                </a:solidFill>
+                <a:latin typeface="+mn-lt"/>
+                <a:ea typeface="+mn-ea"/>
+                <a:cs typeface="+mn-cs"/>
+              </a:defRPr>
+            </a:lvl6pPr>
+            <a:lvl7pPr marL="2971800" indent="-228600" algn="l" defTabSz="914400" rtl="0" eaLnBrk="1" latinLnBrk="0" hangingPunct="1">
+              <a:lnSpc>
+                <a:spcPct val="90000"/>
+              </a:lnSpc>
+              <a:spcBef>
+                <a:spcPts val="500"/>
+              </a:spcBef>
+              <a:buFont typeface="Arial" panose="020B0604020202020204" pitchFamily="34" charset="0"/>
+              <a:buChar char="•"/>
+              <a:defRPr sz="1800" kern="1200">
+                <a:solidFill>
+                  <a:schemeClr val="tx1"/>
+                </a:solidFill>
+                <a:latin typeface="+mn-lt"/>
+                <a:ea typeface="+mn-ea"/>
+                <a:cs typeface="+mn-cs"/>
+              </a:defRPr>
+            </a:lvl7pPr>
+            <a:lvl8pPr marL="3429000" indent="-228600" algn="l" defTabSz="914400" rtl="0" eaLnBrk="1" latinLnBrk="0" hangingPunct="1">
+              <a:lnSpc>
+                <a:spcPct val="90000"/>
+              </a:lnSpc>
+              <a:spcBef>
+                <a:spcPts val="500"/>
+              </a:spcBef>
+              <a:buFont typeface="Arial" panose="020B0604020202020204" pitchFamily="34" charset="0"/>
+              <a:buChar char="•"/>
+              <a:defRPr sz="1800" kern="1200">
+                <a:solidFill>
+                  <a:schemeClr val="tx1"/>
+                </a:solidFill>
+                <a:latin typeface="+mn-lt"/>
+                <a:ea typeface="+mn-ea"/>
+                <a:cs typeface="+mn-cs"/>
+              </a:defRPr>
+            </a:lvl8pPr>
+            <a:lvl9pPr marL="3886200" indent="-228600" algn="l" defTabSz="914400" rtl="0" eaLnBrk="1" latinLnBrk="0" hangingPunct="1">
+              <a:lnSpc>
+                <a:spcPct val="90000"/>
+              </a:lnSpc>
+              <a:spcBef>
+                <a:spcPts val="500"/>
+              </a:spcBef>
+              <a:buFont typeface="Arial" panose="020B0604020202020204" pitchFamily="34" charset="0"/>
+              <a:buChar char="•"/>
+              <a:defRPr sz="1800" kern="1200">
+                <a:solidFill>
+                  <a:schemeClr val="tx1"/>
+                </a:solidFill>
+                <a:latin typeface="+mn-lt"/>
+                <a:ea typeface="+mn-ea"/>
+                <a:cs typeface="+mn-cs"/>
+              </a:defRPr>
+            </a:lvl9pPr>
+          </a:lstStyle>
+          <a:p>
+            <a:pPr marL="0" indent="0">
+              <a:buNone/>
+            </a:pPr>
+            <a:r>
+              <a:rPr lang="en-US" altLang="zh-CN" dirty="0" smtClean="0"/>
+              <a:t>for a in [1,2,3,4,0]:</a:t>
+            </a:r>
+          </a:p>
+          <a:p>
+            <a:pPr marL="0" indent="0">
+              <a:buNone/>
+            </a:pPr>
+            <a:r>
+              <a:rPr lang="en-US" altLang="zh-CN" dirty="0" smtClean="0"/>
+              <a:t>      print a</a:t>
+            </a:r>
+          </a:p>
+          <a:p>
+            <a:pPr marL="0" indent="0">
+              <a:buNone/>
+            </a:pPr>
+            <a:r>
+              <a:rPr lang="en-US" altLang="zh-CN" dirty="0" smtClean="0"/>
+              <a:t>for </a:t>
+            </a:r>
+            <a:r>
+              <a:rPr lang="en-US" altLang="zh-CN" dirty="0" err="1" smtClean="0"/>
+              <a:t>index,a</a:t>
+            </a:r>
+            <a:r>
+              <a:rPr lang="en-US" altLang="zh-CN" dirty="0" smtClean="0"/>
+              <a:t> in e</a:t>
+            </a:r>
+          </a:p>
+          <a:p>
+            <a:pPr marL="0" indent="0">
+              <a:buFont typeface="Arial" panose="020B0604020202020204" pitchFamily="34" charset="0"/>
+              <a:buNone/>
+            </a:pPr>
+            <a:endParaRPr lang="en-US" altLang="zh-CN" dirty="0" smtClean="0"/>
+          </a:p>
+          <a:p>
+            <a:pPr marL="0" indent="0">
+              <a:buFont typeface="Arial" panose="020B0604020202020204" pitchFamily="34" charset="0"/>
+              <a:buNone/>
+            </a:pPr>
+            <a:endParaRPr lang="zh-CN" altLang="en-US" dirty="0"/>
+          </a:p>
+        </p:txBody>
+      </p:sp>
+    </p:spTree>
+    <p:extLst>
+      <p:ext uri="{BB962C8B-B14F-4D97-AF65-F5344CB8AC3E}">
+        <p14:creationId xmlns:p14="http://schemas.microsoft.com/office/powerpoint/2010/main" val="785299157"/>
       </p:ext>
     </p:extLst>
   </p:cSld>
